--- a/Day6/Ch07_ClusterAnalysis.pptx
+++ b/Day6/Ch07_ClusterAnalysis.pptx
@@ -280,7 +280,7 @@
               <a:rPr lang="en-US" dirty="0">
                 <a:latin typeface="Tahoma" pitchFamily="34" charset="0"/>
               </a:rPr>
-              <a:t>455DE: Spark for Data Engineers</a:t>
+              <a:t>Spark Program</a:t>
             </a:r>
           </a:p>
         </p:txBody>
@@ -339,7 +339,7 @@
                 <a:ea typeface="Tahoma" pitchFamily="34" charset="0"/>
                 <a:cs typeface="Tahoma" pitchFamily="34" charset="0"/>
               </a:rPr>
-              <a:t>Chapter 4</a:t>
+              <a:t>Chapter 7</a:t>
             </a:r>
           </a:p>
         </p:txBody>
@@ -729,7 +729,7 @@
                 </a:solidFill>
                 <a:latin typeface="Tahoma" pitchFamily="34" charset="0"/>
               </a:rPr>
-              <a:t>Chapter 4-</a:t>
+              <a:t>Chapter 7-</a:t>
             </a:r>
             <a:fld id="{9C58707A-6F60-4D20-8A8B-4F90B88EA4F7}" type="slidenum">
               <a:rPr lang="en-US" sz="1200" smtClean="0">
@@ -802,7 +802,7 @@
                 </a:solidFill>
                 <a:latin typeface="Tahoma" pitchFamily="34" charset="0"/>
               </a:rPr>
-              <a:t>455DE: Spark for Data Engineers</a:t>
+              <a:t>Spark Program</a:t>
             </a:r>
           </a:p>
         </p:txBody>
@@ -6550,7 +6550,7 @@
                 <a:ea typeface="Tahoma" panose="020B0604030504040204" pitchFamily="34" charset="0"/>
                 <a:cs typeface="Tahoma" panose="020B0604030504040204" pitchFamily="34" charset="0"/>
               </a:rPr>
-              <a:t>455DE: Spark for Data Engineers</a:t>
+              <a:t>Spark Program</a:t>
             </a:r>
           </a:p>
         </p:txBody>
@@ -6600,7 +6600,7 @@
                 </a:solidFill>
                 <a:latin typeface="Calibri" pitchFamily="34" charset="0"/>
               </a:rPr>
-              <a:t>4-</a:t>
+              <a:t>7-</a:t>
             </a:r>
             <a:fld id="{B722F7F8-9603-472A-A081-A1C5DB32BB89}" type="slidenum">
               <a:rPr lang="en-US" sz="1100" b="0" smtClean="0">
@@ -7181,7 +7181,7 @@
               <a:rPr lang="en-US" sz="3600" dirty="0">
                 <a:effectLst/>
               </a:rPr>
-              <a:t>Chapter 4: </a:t>
+              <a:t>Chapter 7: </a:t>
             </a:r>
             <a:br>
               <a:rPr lang="en-US" sz="3600" dirty="0">
@@ -7214,7 +7214,7 @@
           <a:p>
             <a:r>
               <a:rPr lang="en-US" dirty="0"/>
-              <a:t>Spark for Data Engineers</a:t>
+              <a:t>Spark Program</a:t>
             </a:r>
           </a:p>
         </p:txBody>
@@ -11504,12 +11504,6 @@
 </file>
 
 <file path=customXml/item1.xml><?xml version="1.0" encoding="utf-8"?>
-<p:properties xmlns:p="http://schemas.microsoft.com/office/2006/metadata/properties" xmlns:xsi="http://www.w3.org/2001/XMLSchema-instance" xmlns:pc="http://schemas.microsoft.com/office/infopath/2007/PartnerControls">
-  <documentManagement/>
-</p:properties>
-</file>
-
-<file path=customXml/item2.xml><?xml version="1.0" encoding="utf-8"?>
 <ct:contentTypeSchema xmlns:ct="http://schemas.microsoft.com/office/2006/metadata/contentType" xmlns:ma="http://schemas.microsoft.com/office/2006/metadata/properties/metaAttributes" ct:_="" ma:_="" ma:contentTypeName="Document" ma:contentTypeID="0x0101004C58D7A746750E48B9E257CBBD401C71" ma:contentTypeVersion="5" ma:contentTypeDescription="Create a new document." ma:contentTypeScope="" ma:versionID="9b104746e7bcdc89d5c9d8909bc79033">
   <xsd:schema xmlns:xsd="http://www.w3.org/2001/XMLSchema" xmlns:xs="http://www.w3.org/2001/XMLSchema" xmlns:p="http://schemas.microsoft.com/office/2006/metadata/properties" xmlns:ns2="3f1ded34-099e-46dd-b0de-95a90e7e1e5f" targetNamespace="http://schemas.microsoft.com/office/2006/metadata/properties" ma:root="true" ma:fieldsID="39039af933a2d9dca5a96354c4c2b0ed" ns2:_="">
     <xsd:import namespace="3f1ded34-099e-46dd-b0de-95a90e7e1e5f"/>
@@ -11661,6 +11655,12 @@
 </ct:contentTypeSchema>
 </file>
 
+<file path=customXml/item2.xml><?xml version="1.0" encoding="utf-8"?>
+<p:properties xmlns:p="http://schemas.microsoft.com/office/2006/metadata/properties" xmlns:xsi="http://www.w3.org/2001/XMLSchema-instance" xmlns:pc="http://schemas.microsoft.com/office/infopath/2007/PartnerControls">
+  <documentManagement/>
+</p:properties>
+</file>
+
 <file path=customXml/item3.xml><?xml version="1.0" encoding="utf-8"?>
 <?mso-contentType ?>
 <FormTemplates xmlns="http://schemas.microsoft.com/sharepoint/v3/contenttype/forms">
@@ -11671,15 +11671,6 @@
 </file>
 
 <file path=customXml/itemProps1.xml><?xml version="1.0" encoding="utf-8"?>
-<ds:datastoreItem xmlns:ds="http://schemas.openxmlformats.org/officeDocument/2006/customXml" ds:itemID="{F47B9207-CE5C-49AD-B414-15CBFA246D65}">
-  <ds:schemaRefs>
-    <ds:schemaRef ds:uri="http://schemas.microsoft.com/office/2006/metadata/properties"/>
-    <ds:schemaRef ds:uri="http://schemas.microsoft.com/office/infopath/2007/PartnerControls"/>
-  </ds:schemaRefs>
-</ds:datastoreItem>
-</file>
-
-<file path=customXml/itemProps2.xml><?xml version="1.0" encoding="utf-8"?>
 <ds:datastoreItem xmlns:ds="http://schemas.openxmlformats.org/officeDocument/2006/customXml" ds:itemID="{6751EBC6-C433-43E6-8F46-C6D6D677BF51}">
   <ds:schemaRefs>
     <ds:schemaRef ds:uri="http://schemas.microsoft.com/office/2006/metadata/contentType"/>
@@ -11697,6 +11688,15 @@
 </ds:datastoreItem>
 </file>
 
+<file path=customXml/itemProps2.xml><?xml version="1.0" encoding="utf-8"?>
+<ds:datastoreItem xmlns:ds="http://schemas.openxmlformats.org/officeDocument/2006/customXml" ds:itemID="{F47B9207-CE5C-49AD-B414-15CBFA246D65}">
+  <ds:schemaRefs>
+    <ds:schemaRef ds:uri="http://schemas.microsoft.com/office/2006/metadata/properties"/>
+    <ds:schemaRef ds:uri="http://schemas.microsoft.com/office/infopath/2007/PartnerControls"/>
+  </ds:schemaRefs>
+</ds:datastoreItem>
+</file>
+
 <file path=customXml/itemProps3.xml><?xml version="1.0" encoding="utf-8"?>
 <ds:datastoreItem xmlns:ds="http://schemas.openxmlformats.org/officeDocument/2006/customXml" ds:itemID="{2DA015F3-603C-4688-A5F3-81D587DAB8C9}">
   <ds:schemaRefs>
